--- a/змИИВТ-241-Авсянкина МА-ЛР9.pptx
+++ b/змИИВТ-241-Авсянкина МА-ЛР9.pptx
@@ -379,7 +379,7 @@
           <a:p>
             <a:fld id="{34545325-D610-4904-AA51-3BA3E693F9D3}" type="datetimeFigureOut">
               <a:rPr lang="ru-RU" smtClean="0"/>
-              <a:t>18.12.2024</a:t>
+              <a:t>20.12.2024</a:t>
             </a:fld>
             <a:endParaRPr lang="ru-RU"/>
           </a:p>
@@ -641,7 +641,7 @@
           <a:p>
             <a:fld id="{34545325-D610-4904-AA51-3BA3E693F9D3}" type="datetimeFigureOut">
               <a:rPr lang="ru-RU" smtClean="0"/>
-              <a:t>18.12.2024</a:t>
+              <a:t>20.12.2024</a:t>
             </a:fld>
             <a:endParaRPr lang="ru-RU"/>
           </a:p>
@@ -876,7 +876,7 @@
           <a:p>
             <a:fld id="{34545325-D610-4904-AA51-3BA3E693F9D3}" type="datetimeFigureOut">
               <a:rPr lang="ru-RU" smtClean="0"/>
-              <a:t>18.12.2024</a:t>
+              <a:t>20.12.2024</a:t>
             </a:fld>
             <a:endParaRPr lang="ru-RU"/>
           </a:p>
@@ -1116,7 +1116,7 @@
           <a:p>
             <a:fld id="{34545325-D610-4904-AA51-3BA3E693F9D3}" type="datetimeFigureOut">
               <a:rPr lang="ru-RU" smtClean="0"/>
-              <a:t>18.12.2024</a:t>
+              <a:t>20.12.2024</a:t>
             </a:fld>
             <a:endParaRPr lang="ru-RU"/>
           </a:p>
@@ -1423,7 +1423,7 @@
           <a:p>
             <a:fld id="{34545325-D610-4904-AA51-3BA3E693F9D3}" type="datetimeFigureOut">
               <a:rPr lang="ru-RU" smtClean="0"/>
-              <a:t>18.12.2024</a:t>
+              <a:t>20.12.2024</a:t>
             </a:fld>
             <a:endParaRPr lang="ru-RU"/>
           </a:p>
@@ -1725,7 +1725,7 @@
           <a:p>
             <a:fld id="{34545325-D610-4904-AA51-3BA3E693F9D3}" type="datetimeFigureOut">
               <a:rPr lang="ru-RU" smtClean="0"/>
-              <a:t>18.12.2024</a:t>
+              <a:t>20.12.2024</a:t>
             </a:fld>
             <a:endParaRPr lang="ru-RU"/>
           </a:p>
@@ -2152,7 +2152,7 @@
           <a:p>
             <a:fld id="{34545325-D610-4904-AA51-3BA3E693F9D3}" type="datetimeFigureOut">
               <a:rPr lang="ru-RU" smtClean="0"/>
-              <a:t>18.12.2024</a:t>
+              <a:t>20.12.2024</a:t>
             </a:fld>
             <a:endParaRPr lang="ru-RU"/>
           </a:p>
@@ -2319,7 +2319,7 @@
           <a:p>
             <a:fld id="{34545325-D610-4904-AA51-3BA3E693F9D3}" type="datetimeFigureOut">
               <a:rPr lang="ru-RU" smtClean="0"/>
-              <a:t>18.12.2024</a:t>
+              <a:t>20.12.2024</a:t>
             </a:fld>
             <a:endParaRPr lang="ru-RU"/>
           </a:p>
@@ -2414,7 +2414,7 @@
           <a:p>
             <a:fld id="{34545325-D610-4904-AA51-3BA3E693F9D3}" type="datetimeFigureOut">
               <a:rPr lang="ru-RU" smtClean="0"/>
-              <a:t>18.12.2024</a:t>
+              <a:t>20.12.2024</a:t>
             </a:fld>
             <a:endParaRPr lang="ru-RU"/>
           </a:p>
@@ -2792,7 +2792,7 @@
           <a:p>
             <a:fld id="{34545325-D610-4904-AA51-3BA3E693F9D3}" type="datetimeFigureOut">
               <a:rPr lang="ru-RU" smtClean="0"/>
-              <a:t>18.12.2024</a:t>
+              <a:t>20.12.2024</a:t>
             </a:fld>
             <a:endParaRPr lang="ru-RU"/>
           </a:p>
@@ -3086,7 +3086,7 @@
           <a:p>
             <a:fld id="{34545325-D610-4904-AA51-3BA3E693F9D3}" type="datetimeFigureOut">
               <a:rPr lang="ru-RU" smtClean="0"/>
-              <a:t>18.12.2024</a:t>
+              <a:t>20.12.2024</a:t>
             </a:fld>
             <a:endParaRPr lang="ru-RU"/>
           </a:p>
@@ -3297,7 +3297,7 @@
           <a:p>
             <a:fld id="{34545325-D610-4904-AA51-3BA3E693F9D3}" type="datetimeFigureOut">
               <a:rPr lang="ru-RU" smtClean="0"/>
-              <a:t>18.12.2024</a:t>
+              <a:t>20.12.2024</a:t>
             </a:fld>
             <a:endParaRPr lang="ru-RU"/>
           </a:p>
@@ -4332,34 +4332,6 @@
           </a:prstGeom>
         </p:spPr>
       </p:pic>
-      <p:pic>
-        <p:nvPicPr>
-          <p:cNvPr id="5" name="Рисунок 4">
-            <a:extLst>
-              <a:ext uri="{FF2B5EF4-FFF2-40B4-BE49-F238E27FC236}">
-                <a16:creationId xmlns:a16="http://schemas.microsoft.com/office/drawing/2014/main" id="{FA6075CD-88D2-4B09-AD34-C801679D28A9}"/>
-              </a:ext>
-            </a:extLst>
-          </p:cNvPr>
-          <p:cNvPicPr/>
-          <p:nvPr/>
-        </p:nvPicPr>
-        <p:blipFill>
-          <a:blip r:embed="rId3"/>
-          <a:stretch>
-            <a:fillRect/>
-          </a:stretch>
-        </p:blipFill>
-        <p:spPr>
-          <a:xfrm>
-            <a:off x="4148454" y="1936026"/>
-            <a:ext cx="3895090" cy="4648200"/>
-          </a:xfrm>
-          <a:prstGeom prst="rect">
-            <a:avLst/>
-          </a:prstGeom>
-        </p:spPr>
-      </p:pic>
       <p:sp>
         <p:nvSpPr>
           <p:cNvPr id="7" name="TextBox 6">
@@ -4442,10 +4414,10 @@
       </p:sp>
       <p:pic>
         <p:nvPicPr>
-          <p:cNvPr id="10" name="Рисунок 9">
+          <p:cNvPr id="11" name="Рисунок 10">
             <a:extLst>
               <a:ext uri="{FF2B5EF4-FFF2-40B4-BE49-F238E27FC236}">
-                <a16:creationId xmlns:a16="http://schemas.microsoft.com/office/drawing/2014/main" id="{3194F526-CE61-4C34-A6EB-F1694BF9A9B0}"/>
+                <a16:creationId xmlns:a16="http://schemas.microsoft.com/office/drawing/2014/main" id="{4C1BAAAA-FE7E-46ED-B72C-FDC0AD49D692}"/>
               </a:ext>
             </a:extLst>
           </p:cNvPr>
@@ -4453,27 +4425,61 @@
           <p:nvPr/>
         </p:nvPicPr>
         <p:blipFill>
-          <a:blip r:embed="rId3"/>
+          <a:blip r:embed="rId2"/>
           <a:stretch>
             <a:fillRect/>
           </a:stretch>
         </p:blipFill>
         <p:spPr>
           <a:xfrm>
-            <a:off x="8170188" y="1825991"/>
-            <a:ext cx="3827171" cy="4633374"/>
+            <a:off x="4185041" y="1840817"/>
+            <a:ext cx="3917231" cy="4752539"/>
           </a:xfrm>
           <a:prstGeom prst="rect">
             <a:avLst/>
           </a:prstGeom>
         </p:spPr>
       </p:pic>
-      <p:sp>
-        <p:nvSpPr>
-          <p:cNvPr id="12" name="TextBox 11">
+      <p:pic>
+        <p:nvPicPr>
+          <p:cNvPr id="13" name="Рисунок 12">
             <a:extLst>
               <a:ext uri="{FF2B5EF4-FFF2-40B4-BE49-F238E27FC236}">
-                <a16:creationId xmlns:a16="http://schemas.microsoft.com/office/drawing/2014/main" id="{848B7181-329C-40B4-A96D-D90804E16C50}"/>
+                <a16:creationId xmlns:a16="http://schemas.microsoft.com/office/drawing/2014/main" id="{6BFD62DB-5893-4833-94B1-A35F4A3FDA5A}"/>
+              </a:ext>
+            </a:extLst>
+          </p:cNvPr>
+          <p:cNvPicPr/>
+          <p:nvPr/>
+        </p:nvPicPr>
+        <p:blipFill>
+          <a:blip r:embed="rId3">
+            <a:extLst>
+              <a:ext uri="{28A0092B-C50C-407E-A947-70E740481C1C}">
+                <a14:useLocalDpi xmlns:a14="http://schemas.microsoft.com/office/drawing/2010/main" val="0"/>
+              </a:ext>
+            </a:extLst>
+          </a:blip>
+          <a:stretch>
+            <a:fillRect/>
+          </a:stretch>
+        </p:blipFill>
+        <p:spPr>
+          <a:xfrm>
+            <a:off x="8171383" y="1860714"/>
+            <a:ext cx="3917231" cy="4578754"/>
+          </a:xfrm>
+          <a:prstGeom prst="rect">
+            <a:avLst/>
+          </a:prstGeom>
+        </p:spPr>
+      </p:pic>
+      <p:sp>
+        <p:nvSpPr>
+          <p:cNvPr id="14" name="TextBox 13">
+            <a:extLst>
+              <a:ext uri="{FF2B5EF4-FFF2-40B4-BE49-F238E27FC236}">
+                <a16:creationId xmlns:a16="http://schemas.microsoft.com/office/drawing/2014/main" id="{3861FD05-AFBD-41A8-8247-6C2E30833C71}"/>
               </a:ext>
             </a:extLst>
           </p:cNvPr>
@@ -4482,8 +4488,8 @@
         </p:nvSpPr>
         <p:spPr>
           <a:xfrm>
-            <a:off x="8077504" y="6439468"/>
-            <a:ext cx="4387203" cy="307777"/>
+            <a:off x="8102272" y="6422025"/>
+            <a:ext cx="4089728" cy="461665"/>
           </a:xfrm>
           <a:prstGeom prst="rect">
             <a:avLst/>
@@ -4496,15 +4502,16 @@
           </a:bodyPr>
           <a:lstStyle/>
           <a:p>
-            <a:r>
-              <a:rPr lang="ru-RU" sz="1400" dirty="0">
-                <a:effectLst/>
-                <a:latin typeface="Times New Roman" panose="02020603050405020304" pitchFamily="18" charset="0"/>
-                <a:ea typeface="Calibri" panose="020F0502020204030204" pitchFamily="34" charset="0"/>
-              </a:rPr>
-              <a:t>Сортировка по убыванию стоимости заказов клиента</a:t>
-            </a:r>
-            <a:endParaRPr lang="ru-RU" sz="1400" dirty="0"/>
+            <a:pPr algn="ctr"/>
+            <a:r>
+              <a:rPr lang="ru-RU" sz="1200" dirty="0">
+                <a:effectLst/>
+                <a:latin typeface="Times New Roman" panose="02020603050405020304" pitchFamily="18" charset="0"/>
+                <a:ea typeface="Calibri" panose="020F0502020204030204" pitchFamily="34" charset="0"/>
+              </a:rPr>
+              <a:t>Отображение таблицы с новым столбцом средней суммарной стоимости</a:t>
+            </a:r>
+            <a:endParaRPr lang="ru-RU" sz="1200" dirty="0"/>
           </a:p>
         </p:txBody>
       </p:sp>
@@ -4576,40 +4583,6 @@
       </p:sp>
       <p:pic>
         <p:nvPicPr>
-          <p:cNvPr id="4" name="Рисунок 3">
-            <a:extLst>
-              <a:ext uri="{FF2B5EF4-FFF2-40B4-BE49-F238E27FC236}">
-                <a16:creationId xmlns:a16="http://schemas.microsoft.com/office/drawing/2014/main" id="{8AA9EFDC-D98B-49FE-A5D7-5AF6E7177076}"/>
-              </a:ext>
-            </a:extLst>
-          </p:cNvPr>
-          <p:cNvPicPr/>
-          <p:nvPr/>
-        </p:nvPicPr>
-        <p:blipFill>
-          <a:blip r:embed="rId2">
-            <a:extLst>
-              <a:ext uri="{28A0092B-C50C-407E-A947-70E740481C1C}">
-                <a14:useLocalDpi xmlns:a14="http://schemas.microsoft.com/office/drawing/2010/main" val="0"/>
-              </a:ext>
-            </a:extLst>
-          </a:blip>
-          <a:stretch>
-            <a:fillRect/>
-          </a:stretch>
-        </p:blipFill>
-        <p:spPr>
-          <a:xfrm>
-            <a:off x="319088" y="1885950"/>
-            <a:ext cx="3271838" cy="4524375"/>
-          </a:xfrm>
-          <a:prstGeom prst="rect">
-            <a:avLst/>
-          </a:prstGeom>
-        </p:spPr>
-      </p:pic>
-      <p:pic>
-        <p:nvPicPr>
           <p:cNvPr id="5" name="Рисунок 4">
             <a:extLst>
               <a:ext uri="{FF2B5EF4-FFF2-40B4-BE49-F238E27FC236}">
@@ -4621,14 +4594,14 @@
           <p:nvPr/>
         </p:nvPicPr>
         <p:blipFill>
-          <a:blip r:embed="rId3"/>
+          <a:blip r:embed="rId2"/>
           <a:stretch>
             <a:fillRect/>
           </a:stretch>
         </p:blipFill>
         <p:spPr>
           <a:xfrm>
-            <a:off x="3662196" y="1885950"/>
+            <a:off x="1041400" y="2427986"/>
             <a:ext cx="4419600" cy="2565400"/>
           </a:xfrm>
           <a:prstGeom prst="rect">
@@ -4649,7 +4622,7 @@
           <p:nvPr/>
         </p:nvPicPr>
         <p:blipFill rotWithShape="1">
-          <a:blip r:embed="rId4">
+          <a:blip r:embed="rId3">
             <a:extLst>
               <a:ext uri="{28A0092B-C50C-407E-A947-70E740481C1C}">
                 <a14:useLocalDpi xmlns:a14="http://schemas.microsoft.com/office/drawing/2010/main" val="0"/>
@@ -4661,7 +4634,7 @@
         </p:blipFill>
         <p:spPr bwMode="auto">
           <a:xfrm>
-            <a:off x="8153066" y="1835439"/>
+            <a:off x="6967370" y="2132484"/>
             <a:ext cx="3857625" cy="4023360"/>
           </a:xfrm>
           <a:prstGeom prst="rect">
@@ -4692,7 +4665,7 @@
         </p:nvSpPr>
         <p:spPr>
           <a:xfrm>
-            <a:off x="7986252" y="5903729"/>
+            <a:off x="6800556" y="6200774"/>
             <a:ext cx="4191251" cy="461665"/>
           </a:xfrm>
           <a:prstGeom prst="rect">
@@ -4733,7 +4706,7 @@
         </p:nvSpPr>
         <p:spPr>
           <a:xfrm>
-            <a:off x="4038935" y="4485042"/>
+            <a:off x="1418139" y="5027078"/>
             <a:ext cx="4095750" cy="461665"/>
           </a:xfrm>
           <a:prstGeom prst="rect">
@@ -4755,46 +4728,6 @@
                 <a:ea typeface="Calibri" panose="020F0502020204030204" pitchFamily="34" charset="0"/>
               </a:rPr>
               <a:t>Отображение клиента, с наибольшей суммарной стоимостью заказов</a:t>
-            </a:r>
-            <a:endParaRPr lang="ru-RU" sz="1200" dirty="0"/>
-          </a:p>
-        </p:txBody>
-      </p:sp>
-      <p:sp>
-        <p:nvSpPr>
-          <p:cNvPr id="12" name="TextBox 11">
-            <a:extLst>
-              <a:ext uri="{FF2B5EF4-FFF2-40B4-BE49-F238E27FC236}">
-                <a16:creationId xmlns:a16="http://schemas.microsoft.com/office/drawing/2014/main" id="{C6EF2B18-4129-4F20-BF33-12570BD8B851}"/>
-              </a:ext>
-            </a:extLst>
-          </p:cNvPr>
-          <p:cNvSpPr txBox="1"/>
-          <p:nvPr/>
-        </p:nvSpPr>
-        <p:spPr>
-          <a:xfrm>
-            <a:off x="466725" y="6410325"/>
-            <a:ext cx="2924175" cy="276999"/>
-          </a:xfrm>
-          <a:prstGeom prst="rect">
-            <a:avLst/>
-          </a:prstGeom>
-          <a:noFill/>
-        </p:spPr>
-        <p:txBody>
-          <a:bodyPr wrap="square">
-            <a:spAutoFit/>
-          </a:bodyPr>
-          <a:lstStyle/>
-          <a:p>
-            <a:r>
-              <a:rPr lang="ru-RU" sz="1200" dirty="0">
-                <a:effectLst/>
-                <a:latin typeface="Times New Roman" panose="02020603050405020304" pitchFamily="18" charset="0"/>
-                <a:ea typeface="Calibri" panose="020F0502020204030204" pitchFamily="34" charset="0"/>
-              </a:rPr>
-              <a:t>Отображение таблицы с новым столбцом</a:t>
             </a:r>
             <a:endParaRPr lang="ru-RU" sz="1200" dirty="0"/>
           </a:p>
@@ -4885,7 +4818,7 @@
         </p:blipFill>
         <p:spPr>
           <a:xfrm>
-            <a:off x="3009900" y="1882140"/>
+            <a:off x="3302000" y="1856740"/>
             <a:ext cx="4524375" cy="4692804"/>
           </a:xfrm>
           <a:prstGeom prst="rect">
@@ -9411,6 +9344,47 @@
           </a:p>
           <a:p>
             <a:endParaRPr lang="ru-RU" dirty="0"/>
+          </a:p>
+        </p:txBody>
+      </p:sp>
+      <p:sp>
+        <p:nvSpPr>
+          <p:cNvPr id="4" name="Заголовок 1">
+            <a:extLst>
+              <a:ext uri="{FF2B5EF4-FFF2-40B4-BE49-F238E27FC236}">
+                <a16:creationId xmlns:a16="http://schemas.microsoft.com/office/drawing/2014/main" id="{CBB92ECC-91F7-4C7D-98E8-59DD38FE24B8}"/>
+              </a:ext>
+            </a:extLst>
+          </p:cNvPr>
+          <p:cNvSpPr>
+            <a:spLocks noGrp="1"/>
+          </p:cNvSpPr>
+          <p:nvPr>
+            <p:ph type="title"/>
+          </p:nvPr>
+        </p:nvSpPr>
+        <p:spPr>
+          <a:xfrm>
+            <a:off x="586355" y="533400"/>
+            <a:ext cx="10384289" cy="876300"/>
+          </a:xfrm>
+        </p:spPr>
+        <p:txBody>
+          <a:bodyPr>
+            <a:noAutofit/>
+          </a:bodyPr>
+          <a:lstStyle/>
+          <a:p>
+            <a:r>
+              <a:rPr lang="ru-RU" sz="4000" dirty="0">
+                <a:effectLst/>
+                <a:latin typeface="Times New Roman" panose="02020603050405020304" pitchFamily="18" charset="0"/>
+                <a:ea typeface="Calibri" panose="020F0502020204030204" pitchFamily="34" charset="0"/>
+                <a:cs typeface="Times New Roman" panose="02020603050405020304" pitchFamily="18" charset="0"/>
+              </a:rPr>
+              <a:t>Способы оптимизации запросов</a:t>
+            </a:r>
+            <a:endParaRPr lang="ru-RU" sz="8800" dirty="0"/>
           </a:p>
         </p:txBody>
       </p:sp>
